--- a/modules/Growth/PPT.pptx
+++ b/modules/Growth/PPT.pptx
@@ -6940,7 +6940,11 @@
             </a:pPr>
             <a:r>
               <a:rPr lang="en-US" dirty="0" smtClean="0"/>
-              <a:t>Log(2)/K is time when half of </a:t>
+              <a:t>Log(2)/K is time </a:t>
+            </a:r>
+            <a:r>
+              <a:rPr lang="en-US" dirty="0" smtClean="0"/>
+              <a:t>to get halfway between a length and </a:t>
             </a:r>
             <a:r>
               <a:rPr lang="en-US" dirty="0"/>
@@ -6954,7 +6958,7 @@
             </a:r>
             <a:r>
               <a:rPr lang="en-US" dirty="0" smtClean="0"/>
-              <a:t> is reached</a:t>
+              <a:t> </a:t>
             </a:r>
             <a:endParaRPr lang="en-US" dirty="0"/>
           </a:p>
